--- a/9-Duplication.pptx
+++ b/9-Duplication.pptx
@@ -30,7 +30,7 @@
     <p:sldId id="365" r:id="rId18"/>
   </p:sldIdLst>
   <p:sldSz cx="9144000" cy="6858000" type="screen4x3"/>
-  <p:notesSz cx="7099300" cy="10234613"/>
+  <p:notesSz cx="6858000" cy="9296400"/>
   <p:defaultTextStyle>
     <a:defPPr>
       <a:defRPr lang="en-US"/>
@@ -169,18 +169,18 @@
         </p:nvSpPr>
         <p:spPr>
           <a:xfrm>
-            <a:off x="0" y="0"/>
-            <a:ext cx="3076363" cy="511731"/>
+            <a:off x="0" y="1"/>
+            <a:ext cx="2971800" cy="464820"/>
           </a:xfrm>
           <a:prstGeom prst="rect">
             <a:avLst/>
           </a:prstGeom>
         </p:spPr>
         <p:txBody>
-          <a:bodyPr vert="horz" lIns="102741" tIns="51371" rIns="102741" bIns="51371" rtlCol="0"/>
+          <a:bodyPr vert="horz" lIns="95744" tIns="47873" rIns="95744" bIns="47873" rtlCol="0"/>
           <a:lstStyle>
             <a:lvl1pPr algn="l">
-              <a:defRPr sz="1400"/>
+              <a:defRPr sz="1300"/>
             </a:lvl1pPr>
           </a:lstStyle>
           <a:p>
@@ -200,25 +200,25 @@
         </p:nvSpPr>
         <p:spPr>
           <a:xfrm>
-            <a:off x="4021294" y="0"/>
-            <a:ext cx="3076363" cy="511731"/>
+            <a:off x="3884613" y="1"/>
+            <a:ext cx="2971800" cy="464820"/>
           </a:xfrm>
           <a:prstGeom prst="rect">
             <a:avLst/>
           </a:prstGeom>
         </p:spPr>
         <p:txBody>
-          <a:bodyPr vert="horz" lIns="102741" tIns="51371" rIns="102741" bIns="51371" rtlCol="0"/>
+          <a:bodyPr vert="horz" lIns="95744" tIns="47873" rIns="95744" bIns="47873" rtlCol="0"/>
           <a:lstStyle>
             <a:lvl1pPr algn="r">
-              <a:defRPr sz="1400"/>
+              <a:defRPr sz="1300"/>
             </a:lvl1pPr>
           </a:lstStyle>
           <a:p>
             <a:fld id="{56FF66BB-58F6-4A37-8208-0812DDE6C8EF}" type="datetimeFigureOut">
               <a:rPr lang="el-GR" smtClean="0"/>
               <a:pPr/>
-              <a:t>12/12/2021</a:t>
+              <a:t>7/12/2022</a:t>
             </a:fld>
             <a:endParaRPr lang="el-GR"/>
           </a:p>
@@ -236,18 +236,18 @@
         </p:nvSpPr>
         <p:spPr>
           <a:xfrm>
-            <a:off x="0" y="9721106"/>
-            <a:ext cx="3076363" cy="511731"/>
+            <a:off x="0" y="8829967"/>
+            <a:ext cx="2971800" cy="464820"/>
           </a:xfrm>
           <a:prstGeom prst="rect">
             <a:avLst/>
           </a:prstGeom>
         </p:spPr>
         <p:txBody>
-          <a:bodyPr vert="horz" lIns="102741" tIns="51371" rIns="102741" bIns="51371" rtlCol="0" anchor="b"/>
+          <a:bodyPr vert="horz" lIns="95744" tIns="47873" rIns="95744" bIns="47873" rtlCol="0" anchor="b"/>
           <a:lstStyle>
             <a:lvl1pPr algn="l">
-              <a:defRPr sz="1400"/>
+              <a:defRPr sz="1300"/>
             </a:lvl1pPr>
           </a:lstStyle>
           <a:p>
@@ -267,18 +267,18 @@
         </p:nvSpPr>
         <p:spPr>
           <a:xfrm>
-            <a:off x="4021294" y="9721106"/>
-            <a:ext cx="3076363" cy="511731"/>
+            <a:off x="3884613" y="8829967"/>
+            <a:ext cx="2971800" cy="464820"/>
           </a:xfrm>
           <a:prstGeom prst="rect">
             <a:avLst/>
           </a:prstGeom>
         </p:spPr>
         <p:txBody>
-          <a:bodyPr vert="horz" lIns="102741" tIns="51371" rIns="102741" bIns="51371" rtlCol="0" anchor="b"/>
+          <a:bodyPr vert="horz" lIns="95744" tIns="47873" rIns="95744" bIns="47873" rtlCol="0" anchor="b"/>
           <a:lstStyle>
             <a:lvl1pPr algn="r">
-              <a:defRPr sz="1400"/>
+              <a:defRPr sz="1300"/>
             </a:lvl1pPr>
           </a:lstStyle>
           <a:p>
@@ -331,18 +331,18 @@
         </p:nvSpPr>
         <p:spPr>
           <a:xfrm>
-            <a:off x="0" y="0"/>
-            <a:ext cx="3076363" cy="511731"/>
+            <a:off x="0" y="1"/>
+            <a:ext cx="2971800" cy="464820"/>
           </a:xfrm>
           <a:prstGeom prst="rect">
             <a:avLst/>
           </a:prstGeom>
         </p:spPr>
         <p:txBody>
-          <a:bodyPr vert="horz" lIns="102741" tIns="51371" rIns="102741" bIns="51371" rtlCol="0"/>
+          <a:bodyPr vert="horz" lIns="95744" tIns="47873" rIns="95744" bIns="47873" rtlCol="0"/>
           <a:lstStyle>
             <a:lvl1pPr algn="l">
-              <a:defRPr sz="1400"/>
+              <a:defRPr sz="1300"/>
             </a:lvl1pPr>
           </a:lstStyle>
           <a:p>
@@ -362,25 +362,25 @@
         </p:nvSpPr>
         <p:spPr>
           <a:xfrm>
-            <a:off x="4021294" y="0"/>
-            <a:ext cx="3076363" cy="511731"/>
+            <a:off x="3884613" y="1"/>
+            <a:ext cx="2971800" cy="464820"/>
           </a:xfrm>
           <a:prstGeom prst="rect">
             <a:avLst/>
           </a:prstGeom>
         </p:spPr>
         <p:txBody>
-          <a:bodyPr vert="horz" lIns="102741" tIns="51371" rIns="102741" bIns="51371" rtlCol="0"/>
+          <a:bodyPr vert="horz" lIns="95744" tIns="47873" rIns="95744" bIns="47873" rtlCol="0"/>
           <a:lstStyle>
             <a:lvl1pPr algn="r">
-              <a:defRPr sz="1400"/>
+              <a:defRPr sz="1300"/>
             </a:lvl1pPr>
           </a:lstStyle>
           <a:p>
             <a:fld id="{DC17DF70-03C8-4BDB-82BF-9C076E474B74}" type="datetimeFigureOut">
               <a:rPr lang="el-GR" smtClean="0"/>
               <a:pPr/>
-              <a:t>12/12/2021</a:t>
+              <a:t>7/12/2022</a:t>
             </a:fld>
             <a:endParaRPr lang="el-GR"/>
           </a:p>
@@ -398,8 +398,8 @@
         </p:nvSpPr>
         <p:spPr>
           <a:xfrm>
-            <a:off x="992188" y="766763"/>
-            <a:ext cx="5116512" cy="3838575"/>
+            <a:off x="1104900" y="696913"/>
+            <a:ext cx="4649788" cy="3486150"/>
           </a:xfrm>
           <a:prstGeom prst="rect">
             <a:avLst/>
@@ -412,7 +412,7 @@
           </a:ln>
         </p:spPr>
         <p:txBody>
-          <a:bodyPr vert="horz" lIns="102741" tIns="51371" rIns="102741" bIns="51371" rtlCol="0" anchor="ctr"/>
+          <a:bodyPr vert="horz" lIns="95744" tIns="47873" rIns="95744" bIns="47873" rtlCol="0" anchor="ctr"/>
           <a:lstStyle/>
           <a:p>
             <a:endParaRPr lang="el-GR"/>
@@ -431,15 +431,15 @@
         </p:nvSpPr>
         <p:spPr>
           <a:xfrm>
-            <a:off x="709930" y="4861441"/>
-            <a:ext cx="5679440" cy="4605576"/>
+            <a:off x="685800" y="4415790"/>
+            <a:ext cx="5486400" cy="4183380"/>
           </a:xfrm>
           <a:prstGeom prst="rect">
             <a:avLst/>
           </a:prstGeom>
         </p:spPr>
         <p:txBody>
-          <a:bodyPr vert="horz" lIns="102741" tIns="51371" rIns="102741" bIns="51371" rtlCol="0">
+          <a:bodyPr vert="horz" lIns="95744" tIns="47873" rIns="95744" bIns="47873" rtlCol="0">
             <a:normAutofit/>
           </a:bodyPr>
           <a:lstStyle/>
@@ -493,18 +493,18 @@
         </p:nvSpPr>
         <p:spPr>
           <a:xfrm>
-            <a:off x="0" y="9721106"/>
-            <a:ext cx="3076363" cy="511731"/>
+            <a:off x="0" y="8829967"/>
+            <a:ext cx="2971800" cy="464820"/>
           </a:xfrm>
           <a:prstGeom prst="rect">
             <a:avLst/>
           </a:prstGeom>
         </p:spPr>
         <p:txBody>
-          <a:bodyPr vert="horz" lIns="102741" tIns="51371" rIns="102741" bIns="51371" rtlCol="0" anchor="b"/>
+          <a:bodyPr vert="horz" lIns="95744" tIns="47873" rIns="95744" bIns="47873" rtlCol="0" anchor="b"/>
           <a:lstStyle>
             <a:lvl1pPr algn="l">
-              <a:defRPr sz="1400"/>
+              <a:defRPr sz="1300"/>
             </a:lvl1pPr>
           </a:lstStyle>
           <a:p>
@@ -524,18 +524,18 @@
         </p:nvSpPr>
         <p:spPr>
           <a:xfrm>
-            <a:off x="4021294" y="9721106"/>
-            <a:ext cx="3076363" cy="511731"/>
+            <a:off x="3884613" y="8829967"/>
+            <a:ext cx="2971800" cy="464820"/>
           </a:xfrm>
           <a:prstGeom prst="rect">
             <a:avLst/>
           </a:prstGeom>
         </p:spPr>
         <p:txBody>
-          <a:bodyPr vert="horz" lIns="102741" tIns="51371" rIns="102741" bIns="51371" rtlCol="0" anchor="b"/>
+          <a:bodyPr vert="horz" lIns="95744" tIns="47873" rIns="95744" bIns="47873" rtlCol="0" anchor="b"/>
           <a:lstStyle>
             <a:lvl1pPr algn="r">
-              <a:defRPr sz="1400"/>
+              <a:defRPr sz="1300"/>
             </a:lvl1pPr>
           </a:lstStyle>
           <a:p>
@@ -692,7 +692,19 @@
           </a:bodyPr>
           <a:lstStyle/>
           <a:p>
-            <a:endParaRPr lang="en-US" dirty="0"/>
+            <a:r>
+              <a:rPr lang="en-US" dirty="0" smtClean="0"/>
+              <a:t>Draw</a:t>
+            </a:r>
+            <a:r>
+              <a:rPr lang="en-US" baseline="0" dirty="0" smtClean="0"/>
+              <a:t> figures to analyze </a:t>
+            </a:r>
+            <a:r>
+              <a:rPr lang="en-US" baseline="0" smtClean="0"/>
+              <a:t>the stuff</a:t>
+            </a:r>
+            <a:endParaRPr lang="en-US"/>
           </a:p>
         </p:txBody>
       </p:sp>
@@ -714,7 +726,7 @@
             <a:fld id="{519E72D8-DBAA-4DCF-87F7-0480A1282348}" type="slidenum">
               <a:rPr lang="el-GR" smtClean="0"/>
               <a:pPr/>
-              <a:t>4</a:t>
+              <a:t>1</a:t>
             </a:fld>
             <a:endParaRPr lang="el-GR"/>
           </a:p>
@@ -747,21 +759,19 @@
       </p:grpSpPr>
       <p:sp>
         <p:nvSpPr>
-          <p:cNvPr id="101378" name="Slide Image Placeholder 1"/>
-          <p:cNvSpPr>
-            <a:spLocks noGrp="1" noRot="1" noChangeAspect="1" noTextEdit="1"/>
+          <p:cNvPr id="2" name="Slide Image Placeholder 1"/>
+          <p:cNvSpPr>
+            <a:spLocks noGrp="1" noRot="1" noChangeAspect="1"/>
           </p:cNvSpPr>
           <p:nvPr>
             <p:ph type="sldImg"/>
           </p:nvPr>
         </p:nvSpPr>
-        <p:spPr>
-          <a:ln/>
-        </p:spPr>
-      </p:sp>
-      <p:sp>
-        <p:nvSpPr>
-          <p:cNvPr id="101379" name="Notes Placeholder 2"/>
+        <p:spPr/>
+      </p:sp>
+      <p:sp>
+        <p:nvSpPr>
+          <p:cNvPr id="3" name="Notes Placeholder 2"/>
           <p:cNvSpPr>
             <a:spLocks noGrp="1"/>
           </p:cNvSpPr>
@@ -769,41 +779,38 @@
             <p:ph type="body" idx="1"/>
           </p:nvPr>
         </p:nvSpPr>
-        <p:spPr>
-          <a:noFill/>
-          <a:ln/>
-        </p:spPr>
+        <p:spPr/>
+        <p:txBody>
+          <a:bodyPr>
+            <a:normAutofit/>
+          </a:bodyPr>
+          <a:lstStyle/>
+          <a:p>
+            <a:endParaRPr lang="en-US" dirty="0"/>
+          </a:p>
+        </p:txBody>
+      </p:sp>
+      <p:sp>
+        <p:nvSpPr>
+          <p:cNvPr id="4" name="Slide Number Placeholder 3"/>
+          <p:cNvSpPr>
+            <a:spLocks noGrp="1"/>
+          </p:cNvSpPr>
+          <p:nvPr>
+            <p:ph type="sldNum" sz="quarter" idx="10"/>
+          </p:nvPr>
+        </p:nvSpPr>
+        <p:spPr/>
         <p:txBody>
           <a:bodyPr/>
           <a:lstStyle/>
           <a:p>
-            <a:endParaRPr lang="el-GR" smtClean="0"/>
-          </a:p>
-        </p:txBody>
-      </p:sp>
-      <p:sp>
-        <p:nvSpPr>
-          <p:cNvPr id="101380" name="Slide Number Placeholder 3"/>
-          <p:cNvSpPr>
-            <a:spLocks noGrp="1"/>
-          </p:cNvSpPr>
-          <p:nvPr>
-            <p:ph type="sldNum" sz="quarter" idx="5"/>
-          </p:nvPr>
-        </p:nvSpPr>
-        <p:spPr>
-          <a:noFill/>
-        </p:spPr>
-        <p:txBody>
-          <a:bodyPr/>
-          <a:lstStyle/>
-          <a:p>
-            <a:fld id="{2E2CCBF7-90F9-441D-9C9F-E6DBD1CE0CA9}" type="slidenum">
+            <a:fld id="{519E72D8-DBAA-4DCF-87F7-0480A1282348}" type="slidenum">
               <a:rPr lang="el-GR" smtClean="0"/>
               <a:pPr/>
-              <a:t>14</a:t>
+              <a:t>4</a:t>
             </a:fld>
-            <a:endParaRPr lang="el-GR" smtClean="0"/>
+            <a:endParaRPr lang="el-GR"/>
           </a:p>
         </p:txBody>
       </p:sp>
@@ -816,6 +823,93 @@
 </file>
 
 <file path=ppt/notesSlides/notesSlide3.xml><?xml version="1.0" encoding="utf-8"?>
+<p:notes xmlns:a="http://schemas.openxmlformats.org/drawingml/2006/main" xmlns:r="http://schemas.openxmlformats.org/officeDocument/2006/relationships" xmlns:p="http://schemas.openxmlformats.org/presentationml/2006/main">
+  <p:cSld>
+    <p:spTree>
+      <p:nvGrpSpPr>
+        <p:cNvPr id="1" name=""/>
+        <p:cNvGrpSpPr/>
+        <p:nvPr/>
+      </p:nvGrpSpPr>
+      <p:grpSpPr>
+        <a:xfrm>
+          <a:off x="0" y="0"/>
+          <a:ext cx="0" cy="0"/>
+          <a:chOff x="0" y="0"/>
+          <a:chExt cx="0" cy="0"/>
+        </a:xfrm>
+      </p:grpSpPr>
+      <p:sp>
+        <p:nvSpPr>
+          <p:cNvPr id="101378" name="Slide Image Placeholder 1"/>
+          <p:cNvSpPr>
+            <a:spLocks noGrp="1" noRot="1" noChangeAspect="1" noTextEdit="1"/>
+          </p:cNvSpPr>
+          <p:nvPr>
+            <p:ph type="sldImg"/>
+          </p:nvPr>
+        </p:nvSpPr>
+        <p:spPr>
+          <a:ln/>
+        </p:spPr>
+      </p:sp>
+      <p:sp>
+        <p:nvSpPr>
+          <p:cNvPr id="101379" name="Notes Placeholder 2"/>
+          <p:cNvSpPr>
+            <a:spLocks noGrp="1"/>
+          </p:cNvSpPr>
+          <p:nvPr>
+            <p:ph type="body" idx="1"/>
+          </p:nvPr>
+        </p:nvSpPr>
+        <p:spPr>
+          <a:noFill/>
+          <a:ln/>
+        </p:spPr>
+        <p:txBody>
+          <a:bodyPr/>
+          <a:lstStyle/>
+          <a:p>
+            <a:endParaRPr lang="el-GR" smtClean="0"/>
+          </a:p>
+        </p:txBody>
+      </p:sp>
+      <p:sp>
+        <p:nvSpPr>
+          <p:cNvPr id="101380" name="Slide Number Placeholder 3"/>
+          <p:cNvSpPr>
+            <a:spLocks noGrp="1"/>
+          </p:cNvSpPr>
+          <p:nvPr>
+            <p:ph type="sldNum" sz="quarter" idx="5"/>
+          </p:nvPr>
+        </p:nvSpPr>
+        <p:spPr>
+          <a:noFill/>
+        </p:spPr>
+        <p:txBody>
+          <a:bodyPr/>
+          <a:lstStyle/>
+          <a:p>
+            <a:fld id="{2E2CCBF7-90F9-441D-9C9F-E6DBD1CE0CA9}" type="slidenum">
+              <a:rPr lang="el-GR" smtClean="0"/>
+              <a:pPr/>
+              <a:t>14</a:t>
+            </a:fld>
+            <a:endParaRPr lang="el-GR" smtClean="0"/>
+          </a:p>
+        </p:txBody>
+      </p:sp>
+    </p:spTree>
+  </p:cSld>
+  <p:clrMapOvr>
+    <a:masterClrMapping/>
+  </p:clrMapOvr>
+</p:notes>
+</file>
+
+<file path=ppt/notesSlides/notesSlide4.xml><?xml version="1.0" encoding="utf-8"?>
 <p:notes xmlns:a="http://schemas.openxmlformats.org/drawingml/2006/main" xmlns:r="http://schemas.openxmlformats.org/officeDocument/2006/relationships" xmlns:p="http://schemas.openxmlformats.org/presentationml/2006/main">
   <p:cSld>
     <p:spTree>
@@ -1046,7 +1140,7 @@
             <a:fld id="{1D8BD707-D9CF-40AE-B4C6-C98DA3205C09}" type="datetimeFigureOut">
               <a:rPr lang="en-US" smtClean="0"/>
               <a:pPr/>
-              <a:t>12/12/2021</a:t>
+              <a:t>12/7/2022</a:t>
             </a:fld>
             <a:endParaRPr lang="en-US"/>
           </a:p>
@@ -1407,7 +1501,7 @@
             <a:fld id="{1D8BD707-D9CF-40AE-B4C6-C98DA3205C09}" type="datetimeFigureOut">
               <a:rPr lang="en-US" smtClean="0"/>
               <a:pPr/>
-              <a:t>12/12/2021</a:t>
+              <a:t>12/7/2022</a:t>
             </a:fld>
             <a:endParaRPr lang="en-US"/>
           </a:p>
@@ -1584,7 +1678,7 @@
             <a:fld id="{1D8BD707-D9CF-40AE-B4C6-C98DA3205C09}" type="datetimeFigureOut">
               <a:rPr lang="en-US" smtClean="0"/>
               <a:pPr/>
-              <a:t>12/12/2021</a:t>
+              <a:t>12/7/2022</a:t>
             </a:fld>
             <a:endParaRPr lang="en-US"/>
           </a:p>
@@ -1821,7 +1915,7 @@
             <a:fld id="{1D8BD707-D9CF-40AE-B4C6-C98DA3205C09}" type="datetimeFigureOut">
               <a:rPr lang="en-US" smtClean="0"/>
               <a:pPr/>
-              <a:t>12/12/2021</a:t>
+              <a:t>12/7/2022</a:t>
             </a:fld>
             <a:endParaRPr lang="en-US"/>
           </a:p>
@@ -2087,7 +2181,7 @@
             <a:fld id="{1D8BD707-D9CF-40AE-B4C6-C98DA3205C09}" type="datetimeFigureOut">
               <a:rPr lang="en-US" smtClean="0"/>
               <a:pPr/>
-              <a:t>12/12/2021</a:t>
+              <a:t>12/7/2022</a:t>
             </a:fld>
             <a:endParaRPr lang="en-US"/>
           </a:p>
@@ -2309,7 +2403,7 @@
             <a:fld id="{1D8BD707-D9CF-40AE-B4C6-C98DA3205C09}" type="datetimeFigureOut">
               <a:rPr lang="en-US" smtClean="0"/>
               <a:pPr/>
-              <a:t>12/12/2021</a:t>
+              <a:t>12/7/2022</a:t>
             </a:fld>
             <a:endParaRPr lang="en-US"/>
           </a:p>
@@ -2663,7 +2757,7 @@
             <a:fld id="{1D8BD707-D9CF-40AE-B4C6-C98DA3205C09}" type="datetimeFigureOut">
               <a:rPr lang="en-US" smtClean="0"/>
               <a:pPr/>
-              <a:t>12/12/2021</a:t>
+              <a:t>12/7/2022</a:t>
             </a:fld>
             <a:endParaRPr lang="en-US"/>
           </a:p>
@@ -2897,7 +2991,7 @@
             <a:fld id="{1D8BD707-D9CF-40AE-B4C6-C98DA3205C09}" type="datetimeFigureOut">
               <a:rPr lang="en-US" smtClean="0"/>
               <a:pPr/>
-              <a:t>12/12/2021</a:t>
+              <a:t>12/7/2022</a:t>
             </a:fld>
             <a:endParaRPr lang="en-US"/>
           </a:p>
@@ -3039,7 +3133,7 @@
             <a:fld id="{1D8BD707-D9CF-40AE-B4C6-C98DA3205C09}" type="datetimeFigureOut">
               <a:rPr lang="en-US" smtClean="0"/>
               <a:pPr/>
-              <a:t>12/12/2021</a:t>
+              <a:t>12/7/2022</a:t>
             </a:fld>
             <a:endParaRPr lang="en-US"/>
           </a:p>
@@ -3318,7 +3412,7 @@
             <a:fld id="{1D8BD707-D9CF-40AE-B4C6-C98DA3205C09}" type="datetimeFigureOut">
               <a:rPr lang="en-US" smtClean="0"/>
               <a:pPr/>
-              <a:t>12/12/2021</a:t>
+              <a:t>12/7/2022</a:t>
             </a:fld>
             <a:endParaRPr lang="en-US"/>
           </a:p>
@@ -3722,7 +3816,7 @@
             <a:fld id="{1D8BD707-D9CF-40AE-B4C6-C98DA3205C09}" type="datetimeFigureOut">
               <a:rPr lang="en-US" smtClean="0"/>
               <a:pPr/>
-              <a:t>12/12/2021</a:t>
+              <a:t>12/7/2022</a:t>
             </a:fld>
             <a:endParaRPr lang="en-US"/>
           </a:p>
@@ -4062,7 +4156,7 @@
             <a:fld id="{1D8BD707-D9CF-40AE-B4C6-C98DA3205C09}" type="datetimeFigureOut">
               <a:rPr lang="en-US" smtClean="0"/>
               <a:pPr/>
-              <a:t>12/12/2021</a:t>
+              <a:t>12/7/2022</a:t>
             </a:fld>
             <a:endParaRPr lang="en-US"/>
           </a:p>
@@ -4603,7 +4697,7 @@
           <p:nvPr/>
         </p:nvPicPr>
         <p:blipFill>
-          <a:blip r:embed="rId2"/>
+          <a:blip r:embed="rId3"/>
           <a:srcRect/>
           <a:stretch>
             <a:fillRect/>
@@ -4651,7 +4745,7 @@
             </a:br>
             <a:r>
               <a:rPr lang="en-US" sz="1800" dirty="0" smtClean="0">
-                <a:hlinkClick r:id="rId3"/>
+                <a:hlinkClick r:id="rId4"/>
               </a:rPr>
               <a:t>www.cs.uoi.gr/~zarras/soft-devII.htm</a:t>
             </a:r>
@@ -5272,7 +5366,7 @@
         <p:spPr>
           <a:xfrm>
             <a:off x="304800" y="1295400"/>
-            <a:ext cx="8458200" cy="4801314"/>
+            <a:ext cx="8458200" cy="3970318"/>
           </a:xfrm>
           <a:prstGeom prst="rect">
             <a:avLst/>
@@ -5426,110 +5520,7 @@
           </a:p>
           <a:p>
             <a:pPr algn="just"/>
-            <a:r>
-              <a:rPr lang="en-US" b="1" dirty="0" smtClean="0">
-                <a:solidFill>
-                  <a:srgbClr val="FF0000"/>
-                </a:solidFill>
-              </a:rPr>
-              <a:t>***</a:t>
-            </a:r>
-            <a:r>
-              <a:rPr lang="en-US" dirty="0" smtClean="0"/>
-              <a:t> The most awkward element of </a:t>
-            </a:r>
-            <a:r>
-              <a:rPr lang="en-US" i="1" dirty="0" smtClean="0"/>
-              <a:t>Pull Up Method is that the </a:t>
-            </a:r>
-            <a:r>
-              <a:rPr lang="en-US" i="1" dirty="0" smtClean="0">
-                <a:solidFill>
-                  <a:srgbClr val="FF0000"/>
-                </a:solidFill>
-              </a:rPr>
-              <a:t>body of the methods </a:t>
-            </a:r>
-            <a:r>
-              <a:rPr lang="en-US" i="1" dirty="0" smtClean="0"/>
-              <a:t>may </a:t>
-            </a:r>
-            <a:r>
-              <a:rPr lang="en-US" b="1" i="1" u="sng" dirty="0" smtClean="0">
-                <a:solidFill>
-                  <a:srgbClr val="FF0000"/>
-                </a:solidFill>
-              </a:rPr>
-              <a:t>refer</a:t>
-            </a:r>
-            <a:r>
-              <a:rPr lang="en-US" b="1" i="1" u="sng" dirty="0" smtClean="0"/>
-              <a:t> to </a:t>
-            </a:r>
-            <a:r>
-              <a:rPr lang="en-US" b="1" u="sng" dirty="0" smtClean="0">
-                <a:solidFill>
-                  <a:srgbClr val="FF0000"/>
-                </a:solidFill>
-              </a:rPr>
-              <a:t>features</a:t>
-            </a:r>
-            <a:r>
-              <a:rPr lang="en-US" b="1" u="sng" dirty="0" smtClean="0"/>
-              <a:t> that are on the </a:t>
-            </a:r>
-            <a:r>
-              <a:rPr lang="en-US" b="1" u="sng" dirty="0" smtClean="0">
-                <a:solidFill>
-                  <a:srgbClr val="FF0000"/>
-                </a:solidFill>
-              </a:rPr>
-              <a:t>subclass</a:t>
-            </a:r>
-            <a:r>
-              <a:rPr lang="en-US" b="1" u="sng" dirty="0" smtClean="0"/>
-              <a:t> but not on the </a:t>
-            </a:r>
-            <a:r>
-              <a:rPr lang="en-US" b="1" u="sng" dirty="0" err="1" smtClean="0"/>
-              <a:t>superclass</a:t>
-            </a:r>
-            <a:r>
-              <a:rPr lang="en-US" dirty="0" smtClean="0"/>
-              <a:t>. If the feature is a method, you can either </a:t>
-            </a:r>
-            <a:r>
-              <a:rPr lang="en-US" dirty="0" smtClean="0">
-                <a:solidFill>
-                  <a:srgbClr val="FF0000"/>
-                </a:solidFill>
-              </a:rPr>
-              <a:t>generalize the other method </a:t>
-            </a:r>
-            <a:r>
-              <a:rPr lang="en-US" dirty="0" smtClean="0"/>
-              <a:t>or create an </a:t>
-            </a:r>
-            <a:r>
-              <a:rPr lang="en-US" dirty="0" smtClean="0">
-                <a:solidFill>
-                  <a:srgbClr val="FF0000"/>
-                </a:solidFill>
-              </a:rPr>
-              <a:t>abstract method </a:t>
-            </a:r>
-            <a:r>
-              <a:rPr lang="en-US" dirty="0" smtClean="0"/>
-              <a:t>in the </a:t>
-            </a:r>
-            <a:r>
-              <a:rPr lang="en-US" dirty="0" err="1" smtClean="0"/>
-              <a:t>superclass</a:t>
-            </a:r>
-            <a:r>
-              <a:rPr lang="en-US" dirty="0" smtClean="0"/>
-              <a:t>. </a:t>
-            </a:r>
+            <a:endParaRPr lang="en-US" dirty="0" smtClean="0"/>
           </a:p>
           <a:p>
             <a:pPr algn="just"/>
@@ -5600,8 +5591,8 @@
         </p:nvSpPr>
         <p:spPr>
           <a:xfrm>
-            <a:off x="381000" y="1600200"/>
-            <a:ext cx="8305800" cy="1200329"/>
+            <a:off x="381000" y="1542871"/>
+            <a:ext cx="8305800" cy="2585323"/>
           </a:xfrm>
           <a:prstGeom prst="rect">
             <a:avLst/>
@@ -5630,8 +5621,123 @@
           <a:p>
             <a:pPr algn="just"/>
             <a:r>
-              <a:rPr lang="en-US" dirty="0" smtClean="0"/>
-              <a:t>Then you may be able to use </a:t>
+              <a:rPr lang="en-US" b="1" dirty="0" smtClean="0">
+                <a:solidFill>
+                  <a:srgbClr val="FF0000"/>
+                </a:solidFill>
+              </a:rPr>
+              <a:t>***</a:t>
+            </a:r>
+            <a:r>
+              <a:rPr lang="en-US" dirty="0" smtClean="0"/>
+              <a:t> The most awkward element of </a:t>
+            </a:r>
+            <a:r>
+              <a:rPr lang="en-US" i="1" dirty="0" smtClean="0"/>
+              <a:t>Pull Up Method is that the </a:t>
+            </a:r>
+            <a:r>
+              <a:rPr lang="en-US" i="1" dirty="0" smtClean="0">
+                <a:solidFill>
+                  <a:srgbClr val="FF0000"/>
+                </a:solidFill>
+              </a:rPr>
+              <a:t>body of the methods </a:t>
+            </a:r>
+            <a:r>
+              <a:rPr lang="en-US" i="1" dirty="0" smtClean="0"/>
+              <a:t>may </a:t>
+            </a:r>
+            <a:r>
+              <a:rPr lang="en-US" b="1" i="1" u="sng" dirty="0" smtClean="0">
+                <a:solidFill>
+                  <a:srgbClr val="FF0000"/>
+                </a:solidFill>
+              </a:rPr>
+              <a:t>refer</a:t>
+            </a:r>
+            <a:r>
+              <a:rPr lang="en-US" b="1" i="1" u="sng" dirty="0" smtClean="0"/>
+              <a:t> to </a:t>
+            </a:r>
+            <a:r>
+              <a:rPr lang="en-US" b="1" u="sng" dirty="0" smtClean="0">
+                <a:solidFill>
+                  <a:srgbClr val="FF0000"/>
+                </a:solidFill>
+              </a:rPr>
+              <a:t>features</a:t>
+            </a:r>
+            <a:r>
+              <a:rPr lang="en-US" b="1" u="sng" dirty="0" smtClean="0"/>
+              <a:t> that are on the </a:t>
+            </a:r>
+            <a:r>
+              <a:rPr lang="en-US" b="1" u="sng" dirty="0" smtClean="0">
+                <a:solidFill>
+                  <a:srgbClr val="FF0000"/>
+                </a:solidFill>
+              </a:rPr>
+              <a:t>subclass</a:t>
+            </a:r>
+            <a:r>
+              <a:rPr lang="en-US" b="1" u="sng" dirty="0" smtClean="0"/>
+              <a:t> but not on the </a:t>
+            </a:r>
+            <a:r>
+              <a:rPr lang="en-US" b="1" u="sng" dirty="0" err="1" smtClean="0"/>
+              <a:t>superclass</a:t>
+            </a:r>
+            <a:r>
+              <a:rPr lang="en-US" dirty="0" smtClean="0"/>
+              <a:t>. If the feature is a method, you can either </a:t>
+            </a:r>
+            <a:r>
+              <a:rPr lang="en-US" dirty="0" smtClean="0">
+                <a:solidFill>
+                  <a:srgbClr val="FF0000"/>
+                </a:solidFill>
+              </a:rPr>
+              <a:t>generalize the other method </a:t>
+            </a:r>
+            <a:r>
+              <a:rPr lang="en-US" dirty="0" smtClean="0"/>
+              <a:t>or create an </a:t>
+            </a:r>
+            <a:r>
+              <a:rPr lang="en-US" dirty="0" smtClean="0">
+                <a:solidFill>
+                  <a:srgbClr val="FF0000"/>
+                </a:solidFill>
+              </a:rPr>
+              <a:t>abstract method </a:t>
+            </a:r>
+            <a:r>
+              <a:rPr lang="en-US" dirty="0" smtClean="0"/>
+              <a:t>in the </a:t>
+            </a:r>
+            <a:r>
+              <a:rPr lang="en-US" dirty="0" err="1" smtClean="0"/>
+              <a:t>superclass</a:t>
+            </a:r>
+            <a:r>
+              <a:rPr lang="en-US" dirty="0" smtClean="0"/>
+              <a:t>.</a:t>
+            </a:r>
+          </a:p>
+          <a:p>
+            <a:pPr algn="just"/>
+            <a:endParaRPr lang="en-US" dirty="0" smtClean="0"/>
+          </a:p>
+          <a:p>
+            <a:pPr algn="just"/>
+            <a:r>
+              <a:rPr lang="en-US" dirty="0" smtClean="0"/>
+              <a:t>Then </a:t>
+            </a:r>
+            <a:r>
+              <a:rPr lang="en-US" dirty="0" smtClean="0"/>
+              <a:t>you may be able to use </a:t>
             </a:r>
             <a:r>
               <a:rPr lang="en-US" b="1" i="1" dirty="0" smtClean="0">

--- a/9-Duplication.pptx
+++ b/9-Duplication.pptx
@@ -218,7 +218,7 @@
             <a:fld id="{56FF66BB-58F6-4A37-8208-0812DDE6C8EF}" type="datetimeFigureOut">
               <a:rPr lang="el-GR" smtClean="0"/>
               <a:pPr/>
-              <a:t>7/12/2022</a:t>
+              <a:t>23/11/2023</a:t>
             </a:fld>
             <a:endParaRPr lang="el-GR"/>
           </a:p>
@@ -380,7 +380,7 @@
             <a:fld id="{DC17DF70-03C8-4BDB-82BF-9C076E474B74}" type="datetimeFigureOut">
               <a:rPr lang="el-GR" smtClean="0"/>
               <a:pPr/>
-              <a:t>7/12/2022</a:t>
+              <a:t>23/11/2023</a:t>
             </a:fld>
             <a:endParaRPr lang="el-GR"/>
           </a:p>
@@ -1140,7 +1140,7 @@
             <a:fld id="{1D8BD707-D9CF-40AE-B4C6-C98DA3205C09}" type="datetimeFigureOut">
               <a:rPr lang="en-US" smtClean="0"/>
               <a:pPr/>
-              <a:t>12/7/2022</a:t>
+              <a:t>11/23/2023</a:t>
             </a:fld>
             <a:endParaRPr lang="en-US"/>
           </a:p>
@@ -1501,7 +1501,7 @@
             <a:fld id="{1D8BD707-D9CF-40AE-B4C6-C98DA3205C09}" type="datetimeFigureOut">
               <a:rPr lang="en-US" smtClean="0"/>
               <a:pPr/>
-              <a:t>12/7/2022</a:t>
+              <a:t>11/23/2023</a:t>
             </a:fld>
             <a:endParaRPr lang="en-US"/>
           </a:p>
@@ -1678,7 +1678,7 @@
             <a:fld id="{1D8BD707-D9CF-40AE-B4C6-C98DA3205C09}" type="datetimeFigureOut">
               <a:rPr lang="en-US" smtClean="0"/>
               <a:pPr/>
-              <a:t>12/7/2022</a:t>
+              <a:t>11/23/2023</a:t>
             </a:fld>
             <a:endParaRPr lang="en-US"/>
           </a:p>
@@ -1915,7 +1915,7 @@
             <a:fld id="{1D8BD707-D9CF-40AE-B4C6-C98DA3205C09}" type="datetimeFigureOut">
               <a:rPr lang="en-US" smtClean="0"/>
               <a:pPr/>
-              <a:t>12/7/2022</a:t>
+              <a:t>11/23/2023</a:t>
             </a:fld>
             <a:endParaRPr lang="en-US"/>
           </a:p>
@@ -2181,7 +2181,7 @@
             <a:fld id="{1D8BD707-D9CF-40AE-B4C6-C98DA3205C09}" type="datetimeFigureOut">
               <a:rPr lang="en-US" smtClean="0"/>
               <a:pPr/>
-              <a:t>12/7/2022</a:t>
+              <a:t>11/23/2023</a:t>
             </a:fld>
             <a:endParaRPr lang="en-US"/>
           </a:p>
@@ -2403,7 +2403,7 @@
             <a:fld id="{1D8BD707-D9CF-40AE-B4C6-C98DA3205C09}" type="datetimeFigureOut">
               <a:rPr lang="en-US" smtClean="0"/>
               <a:pPr/>
-              <a:t>12/7/2022</a:t>
+              <a:t>11/23/2023</a:t>
             </a:fld>
             <a:endParaRPr lang="en-US"/>
           </a:p>
@@ -2757,7 +2757,7 @@
             <a:fld id="{1D8BD707-D9CF-40AE-B4C6-C98DA3205C09}" type="datetimeFigureOut">
               <a:rPr lang="en-US" smtClean="0"/>
               <a:pPr/>
-              <a:t>12/7/2022</a:t>
+              <a:t>11/23/2023</a:t>
             </a:fld>
             <a:endParaRPr lang="en-US"/>
           </a:p>
@@ -2991,7 +2991,7 @@
             <a:fld id="{1D8BD707-D9CF-40AE-B4C6-C98DA3205C09}" type="datetimeFigureOut">
               <a:rPr lang="en-US" smtClean="0"/>
               <a:pPr/>
-              <a:t>12/7/2022</a:t>
+              <a:t>11/23/2023</a:t>
             </a:fld>
             <a:endParaRPr lang="en-US"/>
           </a:p>
@@ -3133,7 +3133,7 @@
             <a:fld id="{1D8BD707-D9CF-40AE-B4C6-C98DA3205C09}" type="datetimeFigureOut">
               <a:rPr lang="en-US" smtClean="0"/>
               <a:pPr/>
-              <a:t>12/7/2022</a:t>
+              <a:t>11/23/2023</a:t>
             </a:fld>
             <a:endParaRPr lang="en-US"/>
           </a:p>
@@ -3412,7 +3412,7 @@
             <a:fld id="{1D8BD707-D9CF-40AE-B4C6-C98DA3205C09}" type="datetimeFigureOut">
               <a:rPr lang="en-US" smtClean="0"/>
               <a:pPr/>
-              <a:t>12/7/2022</a:t>
+              <a:t>11/23/2023</a:t>
             </a:fld>
             <a:endParaRPr lang="en-US"/>
           </a:p>
@@ -3816,7 +3816,7 @@
             <a:fld id="{1D8BD707-D9CF-40AE-B4C6-C98DA3205C09}" type="datetimeFigureOut">
               <a:rPr lang="en-US" smtClean="0"/>
               <a:pPr/>
-              <a:t>12/7/2022</a:t>
+              <a:t>11/23/2023</a:t>
             </a:fld>
             <a:endParaRPr lang="en-US"/>
           </a:p>
@@ -4156,7 +4156,7 @@
             <a:fld id="{1D8BD707-D9CF-40AE-B4C6-C98DA3205C09}" type="datetimeFigureOut">
               <a:rPr lang="en-US" smtClean="0"/>
               <a:pPr/>
-              <a:t>12/7/2022</a:t>
+              <a:t>11/23/2023</a:t>
             </a:fld>
             <a:endParaRPr lang="en-US"/>
           </a:p>
@@ -5733,11 +5733,7 @@
             <a:pPr algn="just"/>
             <a:r>
               <a:rPr lang="en-US" dirty="0" smtClean="0"/>
-              <a:t>Then </a:t>
-            </a:r>
-            <a:r>
-              <a:rPr lang="en-US" dirty="0" smtClean="0"/>
-              <a:t>you may be able to use </a:t>
+              <a:t>Then you may be able to use </a:t>
             </a:r>
             <a:r>
               <a:rPr lang="en-US" b="1" i="1" dirty="0" smtClean="0">
